--- a/pptx.pptx
+++ b/pptx.pptx
@@ -6175,7 +6175,7 @@
         </p:nvSpPr>
         <p:spPr>
           <a:xfrm>
-            <a:off x="4814238" y="3075057"/>
+            <a:off x="5295139" y="3075057"/>
             <a:ext cx="1601722" cy="707886"/>
           </a:xfrm>
           <a:prstGeom prst="rect">
@@ -8847,7 +8847,7 @@
         </p:nvSpPr>
         <p:spPr>
           <a:xfrm>
-            <a:off x="4019153" y="3075057"/>
+            <a:off x="4500050" y="3075057"/>
             <a:ext cx="3191899" cy="707886"/>
           </a:xfrm>
           <a:prstGeom prst="rect">
@@ -13112,7 +13112,7 @@
         </p:nvSpPr>
         <p:spPr>
           <a:xfrm>
-            <a:off x="3957433" y="3075057"/>
+            <a:off x="4438334" y="2890391"/>
             <a:ext cx="3315331" cy="1077218"/>
           </a:xfrm>
           <a:prstGeom prst="rect">
@@ -17449,7 +17449,7 @@
         </p:nvSpPr>
         <p:spPr>
           <a:xfrm>
-            <a:off x="3957433" y="3075057"/>
+            <a:off x="4438334" y="2890391"/>
             <a:ext cx="3315331" cy="1077218"/>
           </a:xfrm>
           <a:prstGeom prst="rect">
